--- a/Материалы/Презентация к курсовому проекту.pptx
+++ b/Материалы/Презентация к курсовому проекту.pptx
@@ -7,20 +7,9 @@
   <p:sldIdLst>
     <p:sldId id="256" r:id="rId2"/>
     <p:sldId id="257" r:id="rId3"/>
-    <p:sldId id="269" r:id="rId4"/>
-    <p:sldId id="271" r:id="rId5"/>
-    <p:sldId id="272" r:id="rId6"/>
-    <p:sldId id="270" r:id="rId7"/>
-    <p:sldId id="273" r:id="rId8"/>
-    <p:sldId id="268" r:id="rId9"/>
-    <p:sldId id="274" r:id="rId10"/>
-    <p:sldId id="261" r:id="rId11"/>
-    <p:sldId id="260" r:id="rId12"/>
-    <p:sldId id="262" r:id="rId13"/>
-    <p:sldId id="263" r:id="rId14"/>
-    <p:sldId id="275" r:id="rId15"/>
-    <p:sldId id="266" r:id="rId16"/>
-    <p:sldId id="267" r:id="rId17"/>
+    <p:sldId id="270" r:id="rId4"/>
+    <p:sldId id="274" r:id="rId5"/>
+    <p:sldId id="267" r:id="rId6"/>
   </p:sldIdLst>
   <p:sldSz cx="12192000" cy="6858000"/>
   <p:notesSz cx="6858000" cy="9144000"/>
@@ -258,7 +247,7 @@
           <a:p>
             <a:fld id="{29F4B57B-1444-4D1D-A91C-A41998AB2002}" type="datetimeFigureOut">
               <a:rPr lang="ru-RU" smtClean="0"/>
-              <a:t>20.12.2022</a:t>
+              <a:t>24.12.2022</a:t>
             </a:fld>
             <a:endParaRPr lang="ru-RU"/>
           </a:p>
@@ -428,7 +417,7 @@
           <a:p>
             <a:fld id="{29F4B57B-1444-4D1D-A91C-A41998AB2002}" type="datetimeFigureOut">
               <a:rPr lang="ru-RU" smtClean="0"/>
-              <a:t>20.12.2022</a:t>
+              <a:t>24.12.2022</a:t>
             </a:fld>
             <a:endParaRPr lang="ru-RU"/>
           </a:p>
@@ -608,7 +597,7 @@
           <a:p>
             <a:fld id="{29F4B57B-1444-4D1D-A91C-A41998AB2002}" type="datetimeFigureOut">
               <a:rPr lang="ru-RU" smtClean="0"/>
-              <a:t>20.12.2022</a:t>
+              <a:t>24.12.2022</a:t>
             </a:fld>
             <a:endParaRPr lang="ru-RU"/>
           </a:p>
@@ -778,7 +767,7 @@
           <a:p>
             <a:fld id="{29F4B57B-1444-4D1D-A91C-A41998AB2002}" type="datetimeFigureOut">
               <a:rPr lang="ru-RU" smtClean="0"/>
-              <a:t>20.12.2022</a:t>
+              <a:t>24.12.2022</a:t>
             </a:fld>
             <a:endParaRPr lang="ru-RU"/>
           </a:p>
@@ -1024,7 +1013,7 @@
           <a:p>
             <a:fld id="{29F4B57B-1444-4D1D-A91C-A41998AB2002}" type="datetimeFigureOut">
               <a:rPr lang="ru-RU" smtClean="0"/>
-              <a:t>20.12.2022</a:t>
+              <a:t>24.12.2022</a:t>
             </a:fld>
             <a:endParaRPr lang="ru-RU"/>
           </a:p>
@@ -1256,7 +1245,7 @@
           <a:p>
             <a:fld id="{29F4B57B-1444-4D1D-A91C-A41998AB2002}" type="datetimeFigureOut">
               <a:rPr lang="ru-RU" smtClean="0"/>
-              <a:t>20.12.2022</a:t>
+              <a:t>24.12.2022</a:t>
             </a:fld>
             <a:endParaRPr lang="ru-RU"/>
           </a:p>
@@ -1623,7 +1612,7 @@
           <a:p>
             <a:fld id="{29F4B57B-1444-4D1D-A91C-A41998AB2002}" type="datetimeFigureOut">
               <a:rPr lang="ru-RU" smtClean="0"/>
-              <a:t>20.12.2022</a:t>
+              <a:t>24.12.2022</a:t>
             </a:fld>
             <a:endParaRPr lang="ru-RU"/>
           </a:p>
@@ -1741,7 +1730,7 @@
           <a:p>
             <a:fld id="{29F4B57B-1444-4D1D-A91C-A41998AB2002}" type="datetimeFigureOut">
               <a:rPr lang="ru-RU" smtClean="0"/>
-              <a:t>20.12.2022</a:t>
+              <a:t>24.12.2022</a:t>
             </a:fld>
             <a:endParaRPr lang="ru-RU"/>
           </a:p>
@@ -1836,7 +1825,7 @@
           <a:p>
             <a:fld id="{29F4B57B-1444-4D1D-A91C-A41998AB2002}" type="datetimeFigureOut">
               <a:rPr lang="ru-RU" smtClean="0"/>
-              <a:t>20.12.2022</a:t>
+              <a:t>24.12.2022</a:t>
             </a:fld>
             <a:endParaRPr lang="ru-RU"/>
           </a:p>
@@ -2113,7 +2102,7 @@
           <a:p>
             <a:fld id="{29F4B57B-1444-4D1D-A91C-A41998AB2002}" type="datetimeFigureOut">
               <a:rPr lang="ru-RU" smtClean="0"/>
-              <a:t>20.12.2022</a:t>
+              <a:t>24.12.2022</a:t>
             </a:fld>
             <a:endParaRPr lang="ru-RU"/>
           </a:p>
@@ -2366,7 +2355,7 @@
           <a:p>
             <a:fld id="{29F4B57B-1444-4D1D-A91C-A41998AB2002}" type="datetimeFigureOut">
               <a:rPr lang="ru-RU" smtClean="0"/>
-              <a:t>20.12.2022</a:t>
+              <a:t>24.12.2022</a:t>
             </a:fld>
             <a:endParaRPr lang="ru-RU"/>
           </a:p>
@@ -2579,7 +2568,7 @@
           <a:p>
             <a:fld id="{29F4B57B-1444-4D1D-A91C-A41998AB2002}" type="datetimeFigureOut">
               <a:rPr lang="ru-RU" smtClean="0"/>
-              <a:t>20.12.2022</a:t>
+              <a:t>24.12.2022</a:t>
             </a:fld>
             <a:endParaRPr lang="ru-RU"/>
           </a:p>
@@ -3019,7 +3008,6 @@
               <a:rPr lang="ru-RU" dirty="0"/>
               <a:t>кинотеатр: бронирование и покупка билетов</a:t>
             </a:r>
-            <a:endParaRPr lang="ru-RU" dirty="0"/>
           </a:p>
         </p:txBody>
       </p:sp>
@@ -3056,686 +3044,6 @@
     <p:extLst>
       <p:ext uri="{BB962C8B-B14F-4D97-AF65-F5344CB8AC3E}">
         <p14:creationId xmlns:p14="http://schemas.microsoft.com/office/powerpoint/2010/main" val="3831834405"/>
-      </p:ext>
-    </p:extLst>
-  </p:cSld>
-  <p:clrMapOvr>
-    <a:masterClrMapping/>
-  </p:clrMapOvr>
-  <p:timing>
-    <p:tnLst>
-      <p:par>
-        <p:cTn id="1" dur="indefinite" restart="never" nodeType="tmRoot"/>
-      </p:par>
-    </p:tnLst>
-  </p:timing>
-</p:sld>
-</file>
-
-<file path=ppt/slides/slide10.xml><?xml version="1.0" encoding="utf-8"?>
-<p:sld xmlns:a="http://schemas.openxmlformats.org/drawingml/2006/main" xmlns:r="http://schemas.openxmlformats.org/officeDocument/2006/relationships" xmlns:p="http://schemas.openxmlformats.org/presentationml/2006/main">
-  <p:cSld>
-    <p:spTree>
-      <p:nvGrpSpPr>
-        <p:cNvPr id="1" name=""/>
-        <p:cNvGrpSpPr/>
-        <p:nvPr/>
-      </p:nvGrpSpPr>
-      <p:grpSpPr>
-        <a:xfrm>
-          <a:off x="0" y="0"/>
-          <a:ext cx="0" cy="0"/>
-          <a:chOff x="0" y="0"/>
-          <a:chExt cx="0" cy="0"/>
-        </a:xfrm>
-      </p:grpSpPr>
-      <p:sp>
-        <p:nvSpPr>
-          <p:cNvPr id="2" name="Заголовок 1"/>
-          <p:cNvSpPr>
-            <a:spLocks noGrp="1"/>
-          </p:cNvSpPr>
-          <p:nvPr>
-            <p:ph type="title"/>
-          </p:nvPr>
-        </p:nvSpPr>
-        <p:spPr>
-          <a:xfrm>
-            <a:off x="838200" y="0"/>
-            <a:ext cx="10515600" cy="1325563"/>
-          </a:xfrm>
-        </p:spPr>
-        <p:txBody>
-          <a:bodyPr/>
-          <a:lstStyle/>
-          <a:p>
-            <a:r>
-              <a:rPr lang="ru-RU" dirty="0" smtClean="0"/>
-              <a:t>Вид приложения при запуске</a:t>
-            </a:r>
-            <a:endParaRPr lang="ru-RU" dirty="0"/>
-          </a:p>
-        </p:txBody>
-      </p:sp>
-      <p:pic>
-        <p:nvPicPr>
-          <p:cNvPr id="3" name="Рисунок 2"/>
-          <p:cNvPicPr>
-            <a:picLocks noChangeAspect="1"/>
-          </p:cNvPicPr>
-          <p:nvPr/>
-        </p:nvPicPr>
-        <p:blipFill>
-          <a:blip r:embed="rId2"/>
-          <a:stretch>
-            <a:fillRect/>
-          </a:stretch>
-        </p:blipFill>
-        <p:spPr>
-          <a:xfrm>
-            <a:off x="1632516" y="1325563"/>
-            <a:ext cx="8926967" cy="5281789"/>
-          </a:xfrm>
-          <a:prstGeom prst="rect">
-            <a:avLst/>
-          </a:prstGeom>
-        </p:spPr>
-      </p:pic>
-    </p:spTree>
-    <p:extLst>
-      <p:ext uri="{BB962C8B-B14F-4D97-AF65-F5344CB8AC3E}">
-        <p14:creationId xmlns:p14="http://schemas.microsoft.com/office/powerpoint/2010/main" val="4258353427"/>
-      </p:ext>
-    </p:extLst>
-  </p:cSld>
-  <p:clrMapOvr>
-    <a:masterClrMapping/>
-  </p:clrMapOvr>
-  <p:timing>
-    <p:tnLst>
-      <p:par>
-        <p:cTn id="1" dur="indefinite" restart="never" nodeType="tmRoot"/>
-      </p:par>
-    </p:tnLst>
-  </p:timing>
-</p:sld>
-</file>
-
-<file path=ppt/slides/slide11.xml><?xml version="1.0" encoding="utf-8"?>
-<p:sld xmlns:a="http://schemas.openxmlformats.org/drawingml/2006/main" xmlns:r="http://schemas.openxmlformats.org/officeDocument/2006/relationships" xmlns:p="http://schemas.openxmlformats.org/presentationml/2006/main">
-  <p:cSld>
-    <p:spTree>
-      <p:nvGrpSpPr>
-        <p:cNvPr id="1" name=""/>
-        <p:cNvGrpSpPr/>
-        <p:nvPr/>
-      </p:nvGrpSpPr>
-      <p:grpSpPr>
-        <a:xfrm>
-          <a:off x="0" y="0"/>
-          <a:ext cx="0" cy="0"/>
-          <a:chOff x="0" y="0"/>
-          <a:chExt cx="0" cy="0"/>
-        </a:xfrm>
-      </p:grpSpPr>
-      <p:sp>
-        <p:nvSpPr>
-          <p:cNvPr id="2" name="Заголовок 1"/>
-          <p:cNvSpPr>
-            <a:spLocks noGrp="1"/>
-          </p:cNvSpPr>
-          <p:nvPr>
-            <p:ph type="title"/>
-          </p:nvPr>
-        </p:nvSpPr>
-        <p:spPr>
-          <a:xfrm>
-            <a:off x="838200" y="0"/>
-            <a:ext cx="10515600" cy="1325563"/>
-          </a:xfrm>
-        </p:spPr>
-        <p:txBody>
-          <a:bodyPr/>
-          <a:lstStyle/>
-          <a:p>
-            <a:r>
-              <a:rPr lang="ru-RU" dirty="0" smtClean="0"/>
-              <a:t>Вид панели администратора</a:t>
-            </a:r>
-            <a:endParaRPr lang="ru-RU" dirty="0"/>
-          </a:p>
-        </p:txBody>
-      </p:sp>
-      <p:pic>
-        <p:nvPicPr>
-          <p:cNvPr id="6" name="Рисунок 5"/>
-          <p:cNvPicPr/>
-          <p:nvPr/>
-        </p:nvPicPr>
-        <p:blipFill>
-          <a:blip r:embed="rId2"/>
-          <a:stretch>
-            <a:fillRect/>
-          </a:stretch>
-        </p:blipFill>
-        <p:spPr>
-          <a:xfrm>
-            <a:off x="1626230" y="1325563"/>
-            <a:ext cx="8939540" cy="5289726"/>
-          </a:xfrm>
-          <a:prstGeom prst="rect">
-            <a:avLst/>
-          </a:prstGeom>
-        </p:spPr>
-      </p:pic>
-    </p:spTree>
-    <p:extLst>
-      <p:ext uri="{BB962C8B-B14F-4D97-AF65-F5344CB8AC3E}">
-        <p14:creationId xmlns:p14="http://schemas.microsoft.com/office/powerpoint/2010/main" val="2372967125"/>
-      </p:ext>
-    </p:extLst>
-  </p:cSld>
-  <p:clrMapOvr>
-    <a:masterClrMapping/>
-  </p:clrMapOvr>
-  <p:timing>
-    <p:tnLst>
-      <p:par>
-        <p:cTn id="1" dur="indefinite" restart="never" nodeType="tmRoot"/>
-      </p:par>
-    </p:tnLst>
-  </p:timing>
-</p:sld>
-</file>
-
-<file path=ppt/slides/slide12.xml><?xml version="1.0" encoding="utf-8"?>
-<p:sld xmlns:a="http://schemas.openxmlformats.org/drawingml/2006/main" xmlns:r="http://schemas.openxmlformats.org/officeDocument/2006/relationships" xmlns:p="http://schemas.openxmlformats.org/presentationml/2006/main">
-  <p:cSld>
-    <p:spTree>
-      <p:nvGrpSpPr>
-        <p:cNvPr id="1" name=""/>
-        <p:cNvGrpSpPr/>
-        <p:nvPr/>
-      </p:nvGrpSpPr>
-      <p:grpSpPr>
-        <a:xfrm>
-          <a:off x="0" y="0"/>
-          <a:ext cx="0" cy="0"/>
-          <a:chOff x="0" y="0"/>
-          <a:chExt cx="0" cy="0"/>
-        </a:xfrm>
-      </p:grpSpPr>
-      <p:sp>
-        <p:nvSpPr>
-          <p:cNvPr id="2" name="Заголовок 1"/>
-          <p:cNvSpPr>
-            <a:spLocks noGrp="1"/>
-          </p:cNvSpPr>
-          <p:nvPr>
-            <p:ph type="title"/>
-          </p:nvPr>
-        </p:nvSpPr>
-        <p:spPr>
-          <a:xfrm>
-            <a:off x="838200" y="0"/>
-            <a:ext cx="10515600" cy="1325563"/>
-          </a:xfrm>
-        </p:spPr>
-        <p:txBody>
-          <a:bodyPr/>
-          <a:lstStyle/>
-          <a:p>
-            <a:r>
-              <a:rPr lang="ru-RU" dirty="0" smtClean="0"/>
-              <a:t>Вид окна авторизации</a:t>
-            </a:r>
-            <a:endParaRPr lang="ru-RU" dirty="0"/>
-          </a:p>
-        </p:txBody>
-      </p:sp>
-      <p:pic>
-        <p:nvPicPr>
-          <p:cNvPr id="5" name="Рисунок 4"/>
-          <p:cNvPicPr/>
-          <p:nvPr/>
-        </p:nvPicPr>
-        <p:blipFill>
-          <a:blip r:embed="rId2"/>
-          <a:stretch>
-            <a:fillRect/>
-          </a:stretch>
-        </p:blipFill>
-        <p:spPr>
-          <a:xfrm>
-            <a:off x="1638597" y="1325563"/>
-            <a:ext cx="8914805" cy="5274252"/>
-          </a:xfrm>
-          <a:prstGeom prst="rect">
-            <a:avLst/>
-          </a:prstGeom>
-        </p:spPr>
-      </p:pic>
-    </p:spTree>
-    <p:extLst>
-      <p:ext uri="{BB962C8B-B14F-4D97-AF65-F5344CB8AC3E}">
-        <p14:creationId xmlns:p14="http://schemas.microsoft.com/office/powerpoint/2010/main" val="4085286511"/>
-      </p:ext>
-    </p:extLst>
-  </p:cSld>
-  <p:clrMapOvr>
-    <a:masterClrMapping/>
-  </p:clrMapOvr>
-  <p:timing>
-    <p:tnLst>
-      <p:par>
-        <p:cTn id="1" dur="indefinite" restart="never" nodeType="tmRoot"/>
-      </p:par>
-    </p:tnLst>
-  </p:timing>
-</p:sld>
-</file>
-
-<file path=ppt/slides/slide13.xml><?xml version="1.0" encoding="utf-8"?>
-<p:sld xmlns:a="http://schemas.openxmlformats.org/drawingml/2006/main" xmlns:r="http://schemas.openxmlformats.org/officeDocument/2006/relationships" xmlns:p="http://schemas.openxmlformats.org/presentationml/2006/main">
-  <p:cSld>
-    <p:spTree>
-      <p:nvGrpSpPr>
-        <p:cNvPr id="1" name=""/>
-        <p:cNvGrpSpPr/>
-        <p:nvPr/>
-      </p:nvGrpSpPr>
-      <p:grpSpPr>
-        <a:xfrm>
-          <a:off x="0" y="0"/>
-          <a:ext cx="0" cy="0"/>
-          <a:chOff x="0" y="0"/>
-          <a:chExt cx="0" cy="0"/>
-        </a:xfrm>
-      </p:grpSpPr>
-      <p:sp>
-        <p:nvSpPr>
-          <p:cNvPr id="2" name="Заголовок 1"/>
-          <p:cNvSpPr>
-            <a:spLocks noGrp="1"/>
-          </p:cNvSpPr>
-          <p:nvPr>
-            <p:ph type="title"/>
-          </p:nvPr>
-        </p:nvSpPr>
-        <p:spPr>
-          <a:xfrm>
-            <a:off x="838200" y="0"/>
-            <a:ext cx="10515600" cy="1325563"/>
-          </a:xfrm>
-        </p:spPr>
-        <p:txBody>
-          <a:bodyPr/>
-          <a:lstStyle/>
-          <a:p>
-            <a:r>
-              <a:rPr lang="ru-RU" dirty="0" smtClean="0"/>
-              <a:t>Вид окна регистрации</a:t>
-            </a:r>
-            <a:endParaRPr lang="ru-RU" dirty="0"/>
-          </a:p>
-        </p:txBody>
-      </p:sp>
-      <p:pic>
-        <p:nvPicPr>
-          <p:cNvPr id="7" name="Рисунок 6"/>
-          <p:cNvPicPr>
-            <a:picLocks noChangeAspect="1"/>
-          </p:cNvPicPr>
-          <p:nvPr/>
-        </p:nvPicPr>
-        <p:blipFill>
-          <a:blip r:embed="rId2"/>
-          <a:stretch>
-            <a:fillRect/>
-          </a:stretch>
-        </p:blipFill>
-        <p:spPr>
-          <a:xfrm>
-            <a:off x="1643874" y="1325563"/>
-            <a:ext cx="8904252" cy="5268349"/>
-          </a:xfrm>
-          <a:prstGeom prst="rect">
-            <a:avLst/>
-          </a:prstGeom>
-        </p:spPr>
-      </p:pic>
-    </p:spTree>
-    <p:extLst>
-      <p:ext uri="{BB962C8B-B14F-4D97-AF65-F5344CB8AC3E}">
-        <p14:creationId xmlns:p14="http://schemas.microsoft.com/office/powerpoint/2010/main" val="3166673359"/>
-      </p:ext>
-    </p:extLst>
-  </p:cSld>
-  <p:clrMapOvr>
-    <a:masterClrMapping/>
-  </p:clrMapOvr>
-  <p:timing>
-    <p:tnLst>
-      <p:par>
-        <p:cTn id="1" dur="indefinite" restart="never" nodeType="tmRoot"/>
-      </p:par>
-    </p:tnLst>
-  </p:timing>
-</p:sld>
-</file>
-
-<file path=ppt/slides/slide14.xml><?xml version="1.0" encoding="utf-8"?>
-<p:sld xmlns:a="http://schemas.openxmlformats.org/drawingml/2006/main" xmlns:r="http://schemas.openxmlformats.org/officeDocument/2006/relationships" xmlns:p="http://schemas.openxmlformats.org/presentationml/2006/main">
-  <p:cSld>
-    <p:spTree>
-      <p:nvGrpSpPr>
-        <p:cNvPr id="1" name=""/>
-        <p:cNvGrpSpPr/>
-        <p:nvPr/>
-      </p:nvGrpSpPr>
-      <p:grpSpPr>
-        <a:xfrm>
-          <a:off x="0" y="0"/>
-          <a:ext cx="0" cy="0"/>
-          <a:chOff x="0" y="0"/>
-          <a:chExt cx="0" cy="0"/>
-        </a:xfrm>
-      </p:grpSpPr>
-      <p:sp>
-        <p:nvSpPr>
-          <p:cNvPr id="2" name="Заголовок 1"/>
-          <p:cNvSpPr>
-            <a:spLocks noGrp="1"/>
-          </p:cNvSpPr>
-          <p:nvPr>
-            <p:ph type="title"/>
-          </p:nvPr>
-        </p:nvSpPr>
-        <p:spPr>
-          <a:xfrm>
-            <a:off x="838200" y="0"/>
-            <a:ext cx="10515600" cy="1325563"/>
-          </a:xfrm>
-        </p:spPr>
-        <p:txBody>
-          <a:bodyPr/>
-          <a:lstStyle/>
-          <a:p>
-            <a:r>
-              <a:rPr lang="ru-RU" dirty="0" smtClean="0"/>
-              <a:t>Вид окна бронирования</a:t>
-            </a:r>
-            <a:endParaRPr lang="ru-RU" dirty="0"/>
-          </a:p>
-        </p:txBody>
-      </p:sp>
-      <p:pic>
-        <p:nvPicPr>
-          <p:cNvPr id="4" name="Рисунок 3"/>
-          <p:cNvPicPr/>
-          <p:nvPr/>
-        </p:nvPicPr>
-        <p:blipFill>
-          <a:blip r:embed="rId2"/>
-          <a:stretch>
-            <a:fillRect/>
-          </a:stretch>
-        </p:blipFill>
-        <p:spPr>
-          <a:xfrm>
-            <a:off x="1637322" y="1325563"/>
-            <a:ext cx="8917355" cy="5275939"/>
-          </a:xfrm>
-          <a:prstGeom prst="rect">
-            <a:avLst/>
-          </a:prstGeom>
-        </p:spPr>
-      </p:pic>
-    </p:spTree>
-    <p:extLst>
-      <p:ext uri="{BB962C8B-B14F-4D97-AF65-F5344CB8AC3E}">
-        <p14:creationId xmlns:p14="http://schemas.microsoft.com/office/powerpoint/2010/main" val="3320090516"/>
-      </p:ext>
-    </p:extLst>
-  </p:cSld>
-  <p:clrMapOvr>
-    <a:masterClrMapping/>
-  </p:clrMapOvr>
-  <p:timing>
-    <p:tnLst>
-      <p:par>
-        <p:cTn id="1" dur="indefinite" restart="never" nodeType="tmRoot"/>
-      </p:par>
-    </p:tnLst>
-  </p:timing>
-</p:sld>
-</file>
-
-<file path=ppt/slides/slide15.xml><?xml version="1.0" encoding="utf-8"?>
-<p:sld xmlns:a="http://schemas.openxmlformats.org/drawingml/2006/main" xmlns:r="http://schemas.openxmlformats.org/officeDocument/2006/relationships" xmlns:p="http://schemas.openxmlformats.org/presentationml/2006/main">
-  <p:cSld>
-    <p:spTree>
-      <p:nvGrpSpPr>
-        <p:cNvPr id="1" name=""/>
-        <p:cNvGrpSpPr/>
-        <p:nvPr/>
-      </p:nvGrpSpPr>
-      <p:grpSpPr>
-        <a:xfrm>
-          <a:off x="0" y="0"/>
-          <a:ext cx="0" cy="0"/>
-          <a:chOff x="0" y="0"/>
-          <a:chExt cx="0" cy="0"/>
-        </a:xfrm>
-      </p:grpSpPr>
-      <p:sp>
-        <p:nvSpPr>
-          <p:cNvPr id="2" name="Заголовок 1"/>
-          <p:cNvSpPr>
-            <a:spLocks noGrp="1"/>
-          </p:cNvSpPr>
-          <p:nvPr>
-            <p:ph type="title"/>
-          </p:nvPr>
-        </p:nvSpPr>
-        <p:spPr>
-          <a:xfrm>
-            <a:off x="838200" y="0"/>
-            <a:ext cx="10515600" cy="1325563"/>
-          </a:xfrm>
-        </p:spPr>
-        <p:txBody>
-          <a:bodyPr/>
-          <a:lstStyle/>
-          <a:p>
-            <a:r>
-              <a:rPr lang="ru-RU" dirty="0" smtClean="0"/>
-              <a:t>Содержание документации</a:t>
-            </a:r>
-            <a:endParaRPr lang="ru-RU" dirty="0"/>
-          </a:p>
-        </p:txBody>
-      </p:sp>
-      <p:sp>
-        <p:nvSpPr>
-          <p:cNvPr id="3" name="Объект 2"/>
-          <p:cNvSpPr>
-            <a:spLocks noGrp="1"/>
-          </p:cNvSpPr>
-          <p:nvPr>
-            <p:ph idx="1"/>
-          </p:nvPr>
-        </p:nvSpPr>
-        <p:spPr/>
-        <p:txBody>
-          <a:bodyPr/>
-          <a:lstStyle/>
-          <a:p>
-            <a:r>
-              <a:rPr lang="ru-RU" dirty="0" smtClean="0"/>
-              <a:t>Тестирование и отладка приложения</a:t>
-            </a:r>
-            <a:endParaRPr lang="ru-RU" dirty="0" smtClean="0"/>
-          </a:p>
-          <a:p>
-            <a:r>
-              <a:rPr lang="ru-RU" dirty="0" smtClean="0"/>
-              <a:t>Инструкция администратора базы данных</a:t>
-            </a:r>
-            <a:endParaRPr lang="ru-RU" dirty="0" smtClean="0"/>
-          </a:p>
-          <a:p>
-            <a:r>
-              <a:rPr lang="ru-RU" dirty="0"/>
-              <a:t>Инструкция по </a:t>
-            </a:r>
-            <a:r>
-              <a:rPr lang="ru-RU" dirty="0" smtClean="0"/>
-              <a:t>эксплуатации </a:t>
-            </a:r>
-            <a:r>
-              <a:rPr lang="ru-RU" dirty="0" smtClean="0"/>
-              <a:t>приложения</a:t>
-            </a:r>
-            <a:endParaRPr lang="ru-RU" dirty="0"/>
-          </a:p>
-          <a:p>
-            <a:pPr marL="0" indent="0">
-              <a:buNone/>
-            </a:pPr>
-            <a:endParaRPr lang="ru-RU" dirty="0"/>
-          </a:p>
-        </p:txBody>
-      </p:sp>
-    </p:spTree>
-    <p:extLst>
-      <p:ext uri="{BB962C8B-B14F-4D97-AF65-F5344CB8AC3E}">
-        <p14:creationId xmlns:p14="http://schemas.microsoft.com/office/powerpoint/2010/main" val="2724603210"/>
-      </p:ext>
-    </p:extLst>
-  </p:cSld>
-  <p:clrMapOvr>
-    <a:masterClrMapping/>
-  </p:clrMapOvr>
-  <p:timing>
-    <p:tnLst>
-      <p:par>
-        <p:cTn id="1" dur="indefinite" restart="never" nodeType="tmRoot"/>
-      </p:par>
-    </p:tnLst>
-  </p:timing>
-</p:sld>
-</file>
-
-<file path=ppt/slides/slide16.xml><?xml version="1.0" encoding="utf-8"?>
-<p:sld xmlns:a="http://schemas.openxmlformats.org/drawingml/2006/main" xmlns:r="http://schemas.openxmlformats.org/officeDocument/2006/relationships" xmlns:p="http://schemas.openxmlformats.org/presentationml/2006/main">
-  <p:cSld>
-    <p:spTree>
-      <p:nvGrpSpPr>
-        <p:cNvPr id="1" name=""/>
-        <p:cNvGrpSpPr/>
-        <p:nvPr/>
-      </p:nvGrpSpPr>
-      <p:grpSpPr>
-        <a:xfrm>
-          <a:off x="0" y="0"/>
-          <a:ext cx="0" cy="0"/>
-          <a:chOff x="0" y="0"/>
-          <a:chExt cx="0" cy="0"/>
-        </a:xfrm>
-      </p:grpSpPr>
-      <p:sp>
-        <p:nvSpPr>
-          <p:cNvPr id="2" name="Заголовок 1"/>
-          <p:cNvSpPr>
-            <a:spLocks noGrp="1"/>
-          </p:cNvSpPr>
-          <p:nvPr>
-            <p:ph type="title"/>
-          </p:nvPr>
-        </p:nvSpPr>
-        <p:spPr/>
-        <p:txBody>
-          <a:bodyPr/>
-          <a:lstStyle/>
-          <a:p>
-            <a:r>
-              <a:rPr lang="ru-RU" dirty="0" smtClean="0"/>
-              <a:t>Достигнутые цели и задачи</a:t>
-            </a:r>
-            <a:endParaRPr lang="ru-RU" dirty="0"/>
-          </a:p>
-        </p:txBody>
-      </p:sp>
-      <p:sp>
-        <p:nvSpPr>
-          <p:cNvPr id="3" name="Объект 2"/>
-          <p:cNvSpPr>
-            <a:spLocks noGrp="1"/>
-          </p:cNvSpPr>
-          <p:nvPr>
-            <p:ph idx="1"/>
-          </p:nvPr>
-        </p:nvSpPr>
-        <p:spPr/>
-        <p:txBody>
-          <a:bodyPr/>
-          <a:lstStyle/>
-          <a:p>
-            <a:r>
-              <a:rPr lang="ru-RU" dirty="0" smtClean="0"/>
-              <a:t> Был </a:t>
-            </a:r>
-            <a:r>
-              <a:rPr lang="ru-RU" dirty="0"/>
-              <a:t>разработан дизайн и макет приложения </a:t>
-            </a:r>
-          </a:p>
-          <a:p>
-            <a:pPr marL="342900" indent="-342900"/>
-            <a:r>
-              <a:rPr lang="ru-RU" dirty="0" smtClean="0"/>
-              <a:t>Разработано </a:t>
-            </a:r>
-            <a:r>
-              <a:rPr lang="ru-RU" dirty="0"/>
-              <a:t>клиент серверное приложение «Кинотеатр» с </a:t>
-            </a:r>
-            <a:r>
-              <a:rPr lang="ru-RU" dirty="0" smtClean="0"/>
-              <a:t>функциями бронирования </a:t>
-            </a:r>
-            <a:r>
-              <a:rPr lang="ru-RU" dirty="0"/>
-              <a:t>и покупки билетов</a:t>
-            </a:r>
-          </a:p>
-          <a:p>
-            <a:pPr marL="342900" indent="-342900"/>
-            <a:r>
-              <a:rPr lang="ru-RU" dirty="0" smtClean="0"/>
-              <a:t>Реализована </a:t>
-            </a:r>
-            <a:r>
-              <a:rPr lang="ru-RU" dirty="0"/>
-              <a:t>панель администратора для администрирования </a:t>
-            </a:r>
-            <a:r>
-              <a:rPr lang="ru-RU"/>
-              <a:t>базы </a:t>
-            </a:r>
-            <a:r>
-              <a:rPr lang="ru-RU" smtClean="0"/>
-              <a:t>данных</a:t>
-            </a:r>
-            <a:endParaRPr lang="ru-RU" dirty="0"/>
-          </a:p>
-        </p:txBody>
-      </p:sp>
-    </p:spTree>
-    <p:extLst>
-      <p:ext uri="{BB962C8B-B14F-4D97-AF65-F5344CB8AC3E}">
-        <p14:creationId xmlns:p14="http://schemas.microsoft.com/office/powerpoint/2010/main" val="2139188012"/>
       </p:ext>
     </p:extLst>
   </p:cSld>
@@ -3825,15 +3133,7 @@
             </a:pPr>
             <a:r>
               <a:rPr lang="ru-RU" sz="2800" dirty="0" smtClean="0"/>
-              <a:t>Определить </a:t>
-            </a:r>
-            <a:r>
-              <a:rPr lang="ru-RU" sz="2800" dirty="0" smtClean="0"/>
-              <a:t>будущие окна приложения </a:t>
-            </a:r>
-            <a:r>
-              <a:rPr lang="ru-RU" sz="2800" dirty="0" smtClean="0"/>
-              <a:t>и сверстать макет для каждого окна</a:t>
+              <a:t>Определить будущие окна приложения и сверстать макет для каждого окна</a:t>
             </a:r>
           </a:p>
           <a:p>
@@ -3849,7 +3149,6 @@
               <a:rPr lang="ru-RU" sz="2800" dirty="0" smtClean="0"/>
               <a:t>билетов</a:t>
             </a:r>
-            <a:endParaRPr lang="ru-RU" sz="2800" dirty="0" smtClean="0"/>
           </a:p>
           <a:p>
             <a:pPr marL="342900" indent="-342900" algn="l">
@@ -3927,289 +3226,6 @@
           <a:p>
             <a:r>
               <a:rPr lang="ru-RU" dirty="0"/>
-              <a:t>Первый этап нормализации</a:t>
-            </a:r>
-            <a:endParaRPr lang="ru-RU" dirty="0"/>
-          </a:p>
-        </p:txBody>
-      </p:sp>
-      <p:pic>
-        <p:nvPicPr>
-          <p:cNvPr id="6" name="Рисунок 5"/>
-          <p:cNvPicPr/>
-          <p:nvPr/>
-        </p:nvPicPr>
-        <p:blipFill>
-          <a:blip r:embed="rId2">
-            <a:extLst>
-              <a:ext uri="{28A0092B-C50C-407E-A947-70E740481C1C}">
-                <a14:useLocalDpi xmlns:a14="http://schemas.microsoft.com/office/drawing/2010/main" val="0"/>
-              </a:ext>
-            </a:extLst>
-          </a:blip>
-          <a:stretch>
-            <a:fillRect/>
-          </a:stretch>
-        </p:blipFill>
-        <p:spPr>
-          <a:xfrm>
-            <a:off x="2745895" y="2146476"/>
-            <a:ext cx="6700210" cy="2786769"/>
-          </a:xfrm>
-          <a:prstGeom prst="rect">
-            <a:avLst/>
-          </a:prstGeom>
-        </p:spPr>
-      </p:pic>
-    </p:spTree>
-    <p:extLst>
-      <p:ext uri="{BB962C8B-B14F-4D97-AF65-F5344CB8AC3E}">
-        <p14:creationId xmlns:p14="http://schemas.microsoft.com/office/powerpoint/2010/main" val="2822055263"/>
-      </p:ext>
-    </p:extLst>
-  </p:cSld>
-  <p:clrMapOvr>
-    <a:masterClrMapping/>
-  </p:clrMapOvr>
-  <p:timing>
-    <p:tnLst>
-      <p:par>
-        <p:cTn id="1" dur="indefinite" restart="never" nodeType="tmRoot"/>
-      </p:par>
-    </p:tnLst>
-  </p:timing>
-</p:sld>
-</file>
-
-<file path=ppt/slides/slide4.xml><?xml version="1.0" encoding="utf-8"?>
-<p:sld xmlns:a="http://schemas.openxmlformats.org/drawingml/2006/main" xmlns:r="http://schemas.openxmlformats.org/officeDocument/2006/relationships" xmlns:p="http://schemas.openxmlformats.org/presentationml/2006/main">
-  <p:cSld>
-    <p:spTree>
-      <p:nvGrpSpPr>
-        <p:cNvPr id="1" name=""/>
-        <p:cNvGrpSpPr/>
-        <p:nvPr/>
-      </p:nvGrpSpPr>
-      <p:grpSpPr>
-        <a:xfrm>
-          <a:off x="0" y="0"/>
-          <a:ext cx="0" cy="0"/>
-          <a:chOff x="0" y="0"/>
-          <a:chExt cx="0" cy="0"/>
-        </a:xfrm>
-      </p:grpSpPr>
-      <p:sp>
-        <p:nvSpPr>
-          <p:cNvPr id="2" name="Заголовок 1"/>
-          <p:cNvSpPr>
-            <a:spLocks noGrp="1"/>
-          </p:cNvSpPr>
-          <p:nvPr>
-            <p:ph type="title"/>
-          </p:nvPr>
-        </p:nvSpPr>
-        <p:spPr>
-          <a:xfrm>
-            <a:off x="838200" y="0"/>
-            <a:ext cx="10515600" cy="1325563"/>
-          </a:xfrm>
-        </p:spPr>
-        <p:txBody>
-          <a:bodyPr/>
-          <a:lstStyle/>
-          <a:p>
-            <a:r>
-              <a:rPr lang="ru-RU" dirty="0" smtClean="0"/>
-              <a:t>Второй </a:t>
-            </a:r>
-            <a:r>
-              <a:rPr lang="ru-RU" dirty="0"/>
-              <a:t>этап нормализации</a:t>
-            </a:r>
-            <a:endParaRPr lang="ru-RU" dirty="0"/>
-          </a:p>
-        </p:txBody>
-      </p:sp>
-      <p:pic>
-        <p:nvPicPr>
-          <p:cNvPr id="4" name="Рисунок 3"/>
-          <p:cNvPicPr/>
-          <p:nvPr/>
-        </p:nvPicPr>
-        <p:blipFill>
-          <a:blip r:embed="rId2">
-            <a:extLst>
-              <a:ext uri="{28A0092B-C50C-407E-A947-70E740481C1C}">
-                <a14:useLocalDpi xmlns:a14="http://schemas.microsoft.com/office/drawing/2010/main" val="0"/>
-              </a:ext>
-            </a:extLst>
-          </a:blip>
-          <a:stretch>
-            <a:fillRect/>
-          </a:stretch>
-        </p:blipFill>
-        <p:spPr>
-          <a:xfrm>
-            <a:off x="2891278" y="1734573"/>
-            <a:ext cx="6409444" cy="4030021"/>
-          </a:xfrm>
-          <a:prstGeom prst="rect">
-            <a:avLst/>
-          </a:prstGeom>
-        </p:spPr>
-      </p:pic>
-    </p:spTree>
-    <p:extLst>
-      <p:ext uri="{BB962C8B-B14F-4D97-AF65-F5344CB8AC3E}">
-        <p14:creationId xmlns:p14="http://schemas.microsoft.com/office/powerpoint/2010/main" val="1666024653"/>
-      </p:ext>
-    </p:extLst>
-  </p:cSld>
-  <p:clrMapOvr>
-    <a:masterClrMapping/>
-  </p:clrMapOvr>
-  <p:timing>
-    <p:tnLst>
-      <p:par>
-        <p:cTn id="1" dur="indefinite" restart="never" nodeType="tmRoot"/>
-      </p:par>
-    </p:tnLst>
-  </p:timing>
-</p:sld>
-</file>
-
-<file path=ppt/slides/slide5.xml><?xml version="1.0" encoding="utf-8"?>
-<p:sld xmlns:a="http://schemas.openxmlformats.org/drawingml/2006/main" xmlns:r="http://schemas.openxmlformats.org/officeDocument/2006/relationships" xmlns:p="http://schemas.openxmlformats.org/presentationml/2006/main">
-  <p:cSld>
-    <p:spTree>
-      <p:nvGrpSpPr>
-        <p:cNvPr id="1" name=""/>
-        <p:cNvGrpSpPr/>
-        <p:nvPr/>
-      </p:nvGrpSpPr>
-      <p:grpSpPr>
-        <a:xfrm>
-          <a:off x="0" y="0"/>
-          <a:ext cx="0" cy="0"/>
-          <a:chOff x="0" y="0"/>
-          <a:chExt cx="0" cy="0"/>
-        </a:xfrm>
-      </p:grpSpPr>
-      <p:sp>
-        <p:nvSpPr>
-          <p:cNvPr id="2" name="Заголовок 1"/>
-          <p:cNvSpPr>
-            <a:spLocks noGrp="1"/>
-          </p:cNvSpPr>
-          <p:nvPr>
-            <p:ph type="title"/>
-          </p:nvPr>
-        </p:nvSpPr>
-        <p:spPr>
-          <a:xfrm>
-            <a:off x="838200" y="0"/>
-            <a:ext cx="10515600" cy="1325563"/>
-          </a:xfrm>
-        </p:spPr>
-        <p:txBody>
-          <a:bodyPr/>
-          <a:lstStyle/>
-          <a:p>
-            <a:r>
-              <a:rPr lang="ru-RU" dirty="0" smtClean="0"/>
-              <a:t>Концептуальная схема данных</a:t>
-            </a:r>
-            <a:endParaRPr lang="ru-RU" dirty="0"/>
-          </a:p>
-        </p:txBody>
-      </p:sp>
-      <p:pic>
-        <p:nvPicPr>
-          <p:cNvPr id="4" name="Рисунок 3"/>
-          <p:cNvPicPr/>
-          <p:nvPr/>
-        </p:nvPicPr>
-        <p:blipFill>
-          <a:blip r:embed="rId2">
-            <a:extLst>
-              <a:ext uri="{28A0092B-C50C-407E-A947-70E740481C1C}">
-                <a14:useLocalDpi xmlns:a14="http://schemas.microsoft.com/office/drawing/2010/main" val="0"/>
-              </a:ext>
-            </a:extLst>
-          </a:blip>
-          <a:stretch>
-            <a:fillRect/>
-          </a:stretch>
-        </p:blipFill>
-        <p:spPr>
-          <a:xfrm>
-            <a:off x="3358038" y="1325563"/>
-            <a:ext cx="5475923" cy="5313745"/>
-          </a:xfrm>
-          <a:prstGeom prst="rect">
-            <a:avLst/>
-          </a:prstGeom>
-        </p:spPr>
-      </p:pic>
-    </p:spTree>
-    <p:extLst>
-      <p:ext uri="{BB962C8B-B14F-4D97-AF65-F5344CB8AC3E}">
-        <p14:creationId xmlns:p14="http://schemas.microsoft.com/office/powerpoint/2010/main" val="1856383230"/>
-      </p:ext>
-    </p:extLst>
-  </p:cSld>
-  <p:clrMapOvr>
-    <a:masterClrMapping/>
-  </p:clrMapOvr>
-  <p:timing>
-    <p:tnLst>
-      <p:par>
-        <p:cTn id="1" dur="indefinite" restart="never" nodeType="tmRoot"/>
-      </p:par>
-    </p:tnLst>
-  </p:timing>
-</p:sld>
-</file>
-
-<file path=ppt/slides/slide6.xml><?xml version="1.0" encoding="utf-8"?>
-<p:sld xmlns:a="http://schemas.openxmlformats.org/drawingml/2006/main" xmlns:r="http://schemas.openxmlformats.org/officeDocument/2006/relationships" xmlns:p="http://schemas.openxmlformats.org/presentationml/2006/main">
-  <p:cSld>
-    <p:spTree>
-      <p:nvGrpSpPr>
-        <p:cNvPr id="1" name=""/>
-        <p:cNvGrpSpPr/>
-        <p:nvPr/>
-      </p:nvGrpSpPr>
-      <p:grpSpPr>
-        <a:xfrm>
-          <a:off x="0" y="0"/>
-          <a:ext cx="0" cy="0"/>
-          <a:chOff x="0" y="0"/>
-          <a:chExt cx="0" cy="0"/>
-        </a:xfrm>
-      </p:grpSpPr>
-      <p:sp>
-        <p:nvSpPr>
-          <p:cNvPr id="2" name="Заголовок 1"/>
-          <p:cNvSpPr>
-            <a:spLocks noGrp="1"/>
-          </p:cNvSpPr>
-          <p:nvPr>
-            <p:ph type="title"/>
-          </p:nvPr>
-        </p:nvSpPr>
-        <p:spPr>
-          <a:xfrm>
-            <a:off x="838200" y="0"/>
-            <a:ext cx="10515600" cy="1325563"/>
-          </a:xfrm>
-        </p:spPr>
-        <p:txBody>
-          <a:bodyPr/>
-          <a:lstStyle/>
-          <a:p>
-            <a:r>
-              <a:rPr lang="ru-RU" dirty="0"/>
               <a:t>Л</a:t>
             </a:r>
             <a:r>
@@ -4220,7 +3236,6 @@
               <a:rPr lang="ru-RU" dirty="0"/>
               <a:t>данных </a:t>
             </a:r>
-            <a:endParaRPr lang="ru-RU" dirty="0"/>
           </a:p>
         </p:txBody>
       </p:sp>
@@ -4294,7 +3309,7 @@
 </p:sld>
 </file>
 
-<file path=ppt/slides/slide7.xml><?xml version="1.0" encoding="utf-8"?>
+<file path=ppt/slides/slide4.xml><?xml version="1.0" encoding="utf-8"?>
 <p:sld xmlns:a="http://schemas.openxmlformats.org/drawingml/2006/main" xmlns:r="http://schemas.openxmlformats.org/officeDocument/2006/relationships" xmlns:p="http://schemas.openxmlformats.org/presentationml/2006/main">
   <p:cSld>
     <p:spTree>
@@ -4332,228 +3347,9 @@
           <a:lstStyle/>
           <a:p>
             <a:r>
-              <a:rPr lang="ru-RU" dirty="0" smtClean="0"/>
-              <a:t>Физическая модель </a:t>
-            </a:r>
-            <a:r>
-              <a:rPr lang="ru-RU" dirty="0"/>
-              <a:t>данных </a:t>
-            </a:r>
-            <a:endParaRPr lang="ru-RU" dirty="0"/>
-          </a:p>
-        </p:txBody>
-      </p:sp>
-      <p:pic>
-        <p:nvPicPr>
-          <p:cNvPr id="5" name="Рисунок 4"/>
-          <p:cNvPicPr/>
-          <p:nvPr/>
-        </p:nvPicPr>
-        <p:blipFill>
-          <a:blip r:embed="rId2">
-            <a:extLst>
-              <a:ext uri="{28A0092B-C50C-407E-A947-70E740481C1C}">
-                <a14:useLocalDpi xmlns:a14="http://schemas.microsoft.com/office/drawing/2010/main" val="0"/>
-              </a:ext>
-            </a:extLst>
-          </a:blip>
-          <a:stretch>
-            <a:fillRect/>
-          </a:stretch>
-        </p:blipFill>
-        <p:spPr>
-          <a:xfrm>
-            <a:off x="3398661" y="2816929"/>
-            <a:ext cx="5394678" cy="1484385"/>
-          </a:xfrm>
-          <a:prstGeom prst="rect">
-            <a:avLst/>
-          </a:prstGeom>
-        </p:spPr>
-      </p:pic>
-      <p:pic>
-        <p:nvPicPr>
-          <p:cNvPr id="6" name="Рисунок 5"/>
-          <p:cNvPicPr/>
-          <p:nvPr/>
-        </p:nvPicPr>
-        <p:blipFill>
-          <a:blip r:embed="rId3"/>
-          <a:stretch>
-            <a:fillRect/>
-          </a:stretch>
-        </p:blipFill>
-        <p:spPr>
-          <a:xfrm>
-            <a:off x="1783645" y="1144940"/>
-            <a:ext cx="8636000" cy="5392681"/>
-          </a:xfrm>
-          <a:prstGeom prst="rect">
-            <a:avLst/>
-          </a:prstGeom>
-        </p:spPr>
-      </p:pic>
-    </p:spTree>
-    <p:extLst>
-      <p:ext uri="{BB962C8B-B14F-4D97-AF65-F5344CB8AC3E}">
-        <p14:creationId xmlns:p14="http://schemas.microsoft.com/office/powerpoint/2010/main" val="1498857969"/>
-      </p:ext>
-    </p:extLst>
-  </p:cSld>
-  <p:clrMapOvr>
-    <a:masterClrMapping/>
-  </p:clrMapOvr>
-  <p:timing>
-    <p:tnLst>
-      <p:par>
-        <p:cTn id="1" dur="indefinite" restart="never" nodeType="tmRoot"/>
-      </p:par>
-    </p:tnLst>
-  </p:timing>
-</p:sld>
-</file>
-
-<file path=ppt/slides/slide8.xml><?xml version="1.0" encoding="utf-8"?>
-<p:sld xmlns:a="http://schemas.openxmlformats.org/drawingml/2006/main" xmlns:r="http://schemas.openxmlformats.org/officeDocument/2006/relationships" xmlns:p="http://schemas.openxmlformats.org/presentationml/2006/main">
-  <p:cSld>
-    <p:spTree>
-      <p:nvGrpSpPr>
-        <p:cNvPr id="1" name=""/>
-        <p:cNvGrpSpPr/>
-        <p:nvPr/>
-      </p:nvGrpSpPr>
-      <p:grpSpPr>
-        <a:xfrm>
-          <a:off x="0" y="0"/>
-          <a:ext cx="0" cy="0"/>
-          <a:chOff x="0" y="0"/>
-          <a:chExt cx="0" cy="0"/>
-        </a:xfrm>
-      </p:grpSpPr>
-      <p:sp>
-        <p:nvSpPr>
-          <p:cNvPr id="2" name="Заголовок 1"/>
-          <p:cNvSpPr>
-            <a:spLocks noGrp="1"/>
-          </p:cNvSpPr>
-          <p:nvPr>
-            <p:ph type="title"/>
-          </p:nvPr>
-        </p:nvSpPr>
-        <p:spPr>
-          <a:xfrm>
-            <a:off x="838200" y="2521"/>
-            <a:ext cx="10515600" cy="806273"/>
-          </a:xfrm>
-        </p:spPr>
-        <p:txBody>
-          <a:bodyPr>
-            <a:normAutofit/>
-          </a:bodyPr>
-          <a:lstStyle/>
-          <a:p>
-            <a:r>
-              <a:rPr lang="ru-RU" dirty="0" smtClean="0"/>
-              <a:t>Блок-схема алгоритма метода </a:t>
-            </a:r>
-            <a:r>
-              <a:rPr lang="en-US" dirty="0" err="1" smtClean="0"/>
-              <a:t>AddBooking</a:t>
-            </a:r>
-            <a:endParaRPr lang="ru-RU" dirty="0"/>
-          </a:p>
-        </p:txBody>
-      </p:sp>
-      <p:pic>
-        <p:nvPicPr>
-          <p:cNvPr id="5" name="Рисунок 4"/>
-          <p:cNvPicPr/>
-          <p:nvPr/>
-        </p:nvPicPr>
-        <p:blipFill>
-          <a:blip r:embed="rId2">
-            <a:extLst>
-              <a:ext uri="{28A0092B-C50C-407E-A947-70E740481C1C}">
-                <a14:useLocalDpi xmlns:a14="http://schemas.microsoft.com/office/drawing/2010/main" val="0"/>
-              </a:ext>
-            </a:extLst>
-          </a:blip>
-          <a:stretch>
-            <a:fillRect/>
-          </a:stretch>
-        </p:blipFill>
-        <p:spPr>
-          <a:xfrm>
-            <a:off x="4849018" y="808794"/>
-            <a:ext cx="2493963" cy="5774171"/>
-          </a:xfrm>
-          <a:prstGeom prst="rect">
-            <a:avLst/>
-          </a:prstGeom>
-        </p:spPr>
-      </p:pic>
-    </p:spTree>
-    <p:extLst>
-      <p:ext uri="{BB962C8B-B14F-4D97-AF65-F5344CB8AC3E}">
-        <p14:creationId xmlns:p14="http://schemas.microsoft.com/office/powerpoint/2010/main" val="1905774059"/>
-      </p:ext>
-    </p:extLst>
-  </p:cSld>
-  <p:clrMapOvr>
-    <a:masterClrMapping/>
-  </p:clrMapOvr>
-  <p:timing>
-    <p:tnLst>
-      <p:par>
-        <p:cTn id="1" dur="indefinite" restart="never" nodeType="tmRoot"/>
-      </p:par>
-    </p:tnLst>
-  </p:timing>
-</p:sld>
-</file>
-
-<file path=ppt/slides/slide9.xml><?xml version="1.0" encoding="utf-8"?>
-<p:sld xmlns:a="http://schemas.openxmlformats.org/drawingml/2006/main" xmlns:r="http://schemas.openxmlformats.org/officeDocument/2006/relationships" xmlns:p="http://schemas.openxmlformats.org/presentationml/2006/main">
-  <p:cSld>
-    <p:spTree>
-      <p:nvGrpSpPr>
-        <p:cNvPr id="1" name=""/>
-        <p:cNvGrpSpPr/>
-        <p:nvPr/>
-      </p:nvGrpSpPr>
-      <p:grpSpPr>
-        <a:xfrm>
-          <a:off x="0" y="0"/>
-          <a:ext cx="0" cy="0"/>
-          <a:chOff x="0" y="0"/>
-          <a:chExt cx="0" cy="0"/>
-        </a:xfrm>
-      </p:grpSpPr>
-      <p:sp>
-        <p:nvSpPr>
-          <p:cNvPr id="2" name="Заголовок 1"/>
-          <p:cNvSpPr>
-            <a:spLocks noGrp="1"/>
-          </p:cNvSpPr>
-          <p:nvPr>
-            <p:ph type="title"/>
-          </p:nvPr>
-        </p:nvSpPr>
-        <p:spPr>
-          <a:xfrm>
-            <a:off x="838200" y="0"/>
-            <a:ext cx="10515600" cy="1325563"/>
-          </a:xfrm>
-        </p:spPr>
-        <p:txBody>
-          <a:bodyPr/>
-          <a:lstStyle/>
-          <a:p>
-            <a:r>
               <a:rPr lang="ru-RU" dirty="0"/>
               <a:t>Модульная схема клиентской части приложения</a:t>
             </a:r>
-            <a:endParaRPr lang="ru-RU" dirty="0"/>
           </a:p>
         </p:txBody>
       </p:sp>
@@ -4589,6 +3385,131 @@
     <p:extLst>
       <p:ext uri="{BB962C8B-B14F-4D97-AF65-F5344CB8AC3E}">
         <p14:creationId xmlns:p14="http://schemas.microsoft.com/office/powerpoint/2010/main" val="627281467"/>
+      </p:ext>
+    </p:extLst>
+  </p:cSld>
+  <p:clrMapOvr>
+    <a:masterClrMapping/>
+  </p:clrMapOvr>
+  <p:timing>
+    <p:tnLst>
+      <p:par>
+        <p:cTn id="1" dur="indefinite" restart="never" nodeType="tmRoot"/>
+      </p:par>
+    </p:tnLst>
+  </p:timing>
+</p:sld>
+</file>
+
+<file path=ppt/slides/slide5.xml><?xml version="1.0" encoding="utf-8"?>
+<p:sld xmlns:a="http://schemas.openxmlformats.org/drawingml/2006/main" xmlns:r="http://schemas.openxmlformats.org/officeDocument/2006/relationships" xmlns:p="http://schemas.openxmlformats.org/presentationml/2006/main">
+  <p:cSld>
+    <p:spTree>
+      <p:nvGrpSpPr>
+        <p:cNvPr id="1" name=""/>
+        <p:cNvGrpSpPr/>
+        <p:nvPr/>
+      </p:nvGrpSpPr>
+      <p:grpSpPr>
+        <a:xfrm>
+          <a:off x="0" y="0"/>
+          <a:ext cx="0" cy="0"/>
+          <a:chOff x="0" y="0"/>
+          <a:chExt cx="0" cy="0"/>
+        </a:xfrm>
+      </p:grpSpPr>
+      <p:sp>
+        <p:nvSpPr>
+          <p:cNvPr id="2" name="Заголовок 1"/>
+          <p:cNvSpPr>
+            <a:spLocks noGrp="1"/>
+          </p:cNvSpPr>
+          <p:nvPr>
+            <p:ph type="title"/>
+          </p:nvPr>
+        </p:nvSpPr>
+        <p:spPr/>
+        <p:txBody>
+          <a:bodyPr/>
+          <a:lstStyle/>
+          <a:p>
+            <a:r>
+              <a:rPr lang="ru-RU" dirty="0" smtClean="0"/>
+              <a:t>Достигнутые цели и задачи</a:t>
+            </a:r>
+            <a:endParaRPr lang="ru-RU" dirty="0"/>
+          </a:p>
+        </p:txBody>
+      </p:sp>
+      <p:sp>
+        <p:nvSpPr>
+          <p:cNvPr id="3" name="Объект 2"/>
+          <p:cNvSpPr>
+            <a:spLocks noGrp="1"/>
+          </p:cNvSpPr>
+          <p:nvPr>
+            <p:ph idx="1"/>
+          </p:nvPr>
+        </p:nvSpPr>
+        <p:spPr/>
+        <p:txBody>
+          <a:bodyPr/>
+          <a:lstStyle/>
+          <a:p>
+            <a:r>
+              <a:rPr lang="ru-RU" dirty="0" smtClean="0"/>
+              <a:t> Был </a:t>
+            </a:r>
+            <a:r>
+              <a:rPr lang="ru-RU" dirty="0"/>
+              <a:t>разработан дизайн и макет приложения </a:t>
+            </a:r>
+          </a:p>
+          <a:p>
+            <a:pPr marL="342900" indent="-342900"/>
+            <a:r>
+              <a:rPr lang="ru-RU" dirty="0" smtClean="0"/>
+              <a:t>Разработано </a:t>
+            </a:r>
+            <a:r>
+              <a:rPr lang="ru-RU" dirty="0"/>
+              <a:t>клиент серверное приложение «Кинотеатр» с </a:t>
+            </a:r>
+            <a:r>
+              <a:rPr lang="ru-RU" dirty="0" smtClean="0"/>
+              <a:t>функциями бронирования </a:t>
+            </a:r>
+            <a:r>
+              <a:rPr lang="ru-RU" dirty="0"/>
+              <a:t>и покупки билетов</a:t>
+            </a:r>
+          </a:p>
+          <a:p>
+            <a:pPr marL="342900" indent="-342900"/>
+            <a:r>
+              <a:rPr lang="ru-RU" dirty="0" smtClean="0"/>
+              <a:t>Реализована </a:t>
+            </a:r>
+            <a:r>
+              <a:rPr lang="ru-RU" dirty="0"/>
+              <a:t>панель администратора для администрирования </a:t>
+            </a:r>
+            <a:r>
+              <a:rPr lang="ru-RU"/>
+              <a:t>базы </a:t>
+            </a:r>
+            <a:r>
+              <a:rPr lang="ru-RU" smtClean="0"/>
+              <a:t>данных</a:t>
+            </a:r>
+            <a:endParaRPr lang="ru-RU" dirty="0"/>
+          </a:p>
+        </p:txBody>
+      </p:sp>
+    </p:spTree>
+    <p:extLst>
+      <p:ext uri="{BB962C8B-B14F-4D97-AF65-F5344CB8AC3E}">
+        <p14:creationId xmlns:p14="http://schemas.microsoft.com/office/powerpoint/2010/main" val="2139188012"/>
       </p:ext>
     </p:extLst>
   </p:cSld>

--- a/Материалы/Презентация к курсовому проекту.pptx
+++ b/Материалы/Презентация к курсовому проекту.pptx
@@ -247,7 +247,7 @@
           <a:p>
             <a:fld id="{29F4B57B-1444-4D1D-A91C-A41998AB2002}" type="datetimeFigureOut">
               <a:rPr lang="ru-RU" smtClean="0"/>
-              <a:t>24.12.2022</a:t>
+              <a:t>25.12.2022</a:t>
             </a:fld>
             <a:endParaRPr lang="ru-RU"/>
           </a:p>
@@ -417,7 +417,7 @@
           <a:p>
             <a:fld id="{29F4B57B-1444-4D1D-A91C-A41998AB2002}" type="datetimeFigureOut">
               <a:rPr lang="ru-RU" smtClean="0"/>
-              <a:t>24.12.2022</a:t>
+              <a:t>25.12.2022</a:t>
             </a:fld>
             <a:endParaRPr lang="ru-RU"/>
           </a:p>
@@ -597,7 +597,7 @@
           <a:p>
             <a:fld id="{29F4B57B-1444-4D1D-A91C-A41998AB2002}" type="datetimeFigureOut">
               <a:rPr lang="ru-RU" smtClean="0"/>
-              <a:t>24.12.2022</a:t>
+              <a:t>25.12.2022</a:t>
             </a:fld>
             <a:endParaRPr lang="ru-RU"/>
           </a:p>
@@ -767,7 +767,7 @@
           <a:p>
             <a:fld id="{29F4B57B-1444-4D1D-A91C-A41998AB2002}" type="datetimeFigureOut">
               <a:rPr lang="ru-RU" smtClean="0"/>
-              <a:t>24.12.2022</a:t>
+              <a:t>25.12.2022</a:t>
             </a:fld>
             <a:endParaRPr lang="ru-RU"/>
           </a:p>
@@ -1013,7 +1013,7 @@
           <a:p>
             <a:fld id="{29F4B57B-1444-4D1D-A91C-A41998AB2002}" type="datetimeFigureOut">
               <a:rPr lang="ru-RU" smtClean="0"/>
-              <a:t>24.12.2022</a:t>
+              <a:t>25.12.2022</a:t>
             </a:fld>
             <a:endParaRPr lang="ru-RU"/>
           </a:p>
@@ -1245,7 +1245,7 @@
           <a:p>
             <a:fld id="{29F4B57B-1444-4D1D-A91C-A41998AB2002}" type="datetimeFigureOut">
               <a:rPr lang="ru-RU" smtClean="0"/>
-              <a:t>24.12.2022</a:t>
+              <a:t>25.12.2022</a:t>
             </a:fld>
             <a:endParaRPr lang="ru-RU"/>
           </a:p>
@@ -1612,7 +1612,7 @@
           <a:p>
             <a:fld id="{29F4B57B-1444-4D1D-A91C-A41998AB2002}" type="datetimeFigureOut">
               <a:rPr lang="ru-RU" smtClean="0"/>
-              <a:t>24.12.2022</a:t>
+              <a:t>25.12.2022</a:t>
             </a:fld>
             <a:endParaRPr lang="ru-RU"/>
           </a:p>
@@ -1730,7 +1730,7 @@
           <a:p>
             <a:fld id="{29F4B57B-1444-4D1D-A91C-A41998AB2002}" type="datetimeFigureOut">
               <a:rPr lang="ru-RU" smtClean="0"/>
-              <a:t>24.12.2022</a:t>
+              <a:t>25.12.2022</a:t>
             </a:fld>
             <a:endParaRPr lang="ru-RU"/>
           </a:p>
@@ -1825,7 +1825,7 @@
           <a:p>
             <a:fld id="{29F4B57B-1444-4D1D-A91C-A41998AB2002}" type="datetimeFigureOut">
               <a:rPr lang="ru-RU" smtClean="0"/>
-              <a:t>24.12.2022</a:t>
+              <a:t>25.12.2022</a:t>
             </a:fld>
             <a:endParaRPr lang="ru-RU"/>
           </a:p>
@@ -2102,7 +2102,7 @@
           <a:p>
             <a:fld id="{29F4B57B-1444-4D1D-A91C-A41998AB2002}" type="datetimeFigureOut">
               <a:rPr lang="ru-RU" smtClean="0"/>
-              <a:t>24.12.2022</a:t>
+              <a:t>25.12.2022</a:t>
             </a:fld>
             <a:endParaRPr lang="ru-RU"/>
           </a:p>
@@ -2355,7 +2355,7 @@
           <a:p>
             <a:fld id="{29F4B57B-1444-4D1D-A91C-A41998AB2002}" type="datetimeFigureOut">
               <a:rPr lang="ru-RU" smtClean="0"/>
-              <a:t>24.12.2022</a:t>
+              <a:t>25.12.2022</a:t>
             </a:fld>
             <a:endParaRPr lang="ru-RU"/>
           </a:p>
@@ -2568,7 +2568,7 @@
           <a:p>
             <a:fld id="{29F4B57B-1444-4D1D-A91C-A41998AB2002}" type="datetimeFigureOut">
               <a:rPr lang="ru-RU" smtClean="0"/>
-              <a:t>24.12.2022</a:t>
+              <a:t>25.12.2022</a:t>
             </a:fld>
             <a:endParaRPr lang="ru-RU"/>
           </a:p>
@@ -3002,7 +3002,15 @@
           <a:p>
             <a:r>
               <a:rPr lang="ru-RU" dirty="0" smtClean="0"/>
-              <a:t>Разработка Клиент-серверного приложения </a:t>
+              <a:t>Разработка </a:t>
+            </a:r>
+            <a:r>
+              <a:rPr lang="ru-RU" dirty="0" smtClean="0"/>
+              <a:t>клиент-серверного </a:t>
+            </a:r>
+            <a:r>
+              <a:rPr lang="ru-RU" dirty="0" smtClean="0"/>
+              <a:t>приложения </a:t>
             </a:r>
             <a:r>
               <a:rPr lang="ru-RU" dirty="0"/>
